--- a/Group3 - Covendong.pptx
+++ b/Group3 - Covendong.pptx
@@ -203,7 +203,7 @@
           <a:p>
             <a:fld id="{0D9609CE-BA35-4248-B67B-E723D3967F4E}" type="datetimeFigureOut">
               <a:rPr lang="en-GB" smtClean="0"/>
-              <a:t>19/04/2018</a:t>
+              <a:t>20/04/2018</a:t>
             </a:fld>
             <a:endParaRPr lang="en-GB"/>
           </a:p>
@@ -2283,7 +2283,7 @@
           <a:p>
             <a:fld id="{F72F48C3-E2FF-4377-9BD8-D4F35D1A0370}" type="datetimeFigureOut">
               <a:rPr lang="en-GB" smtClean="0"/>
-              <a:t>19/04/2018</a:t>
+              <a:t>20/04/2018</a:t>
             </a:fld>
             <a:endParaRPr lang="en-GB"/>
           </a:p>
@@ -2464,7 +2464,7 @@
           <a:p>
             <a:fld id="{F72F48C3-E2FF-4377-9BD8-D4F35D1A0370}" type="datetimeFigureOut">
               <a:rPr lang="en-GB" smtClean="0"/>
-              <a:t>19/04/2018</a:t>
+              <a:t>20/04/2018</a:t>
             </a:fld>
             <a:endParaRPr lang="en-GB"/>
           </a:p>
@@ -2615,7 +2615,7 @@
           <a:p>
             <a:fld id="{F72F48C3-E2FF-4377-9BD8-D4F35D1A0370}" type="datetimeFigureOut">
               <a:rPr lang="en-GB" smtClean="0"/>
-              <a:t>19/04/2018</a:t>
+              <a:t>20/04/2018</a:t>
             </a:fld>
             <a:endParaRPr lang="en-GB"/>
           </a:p>
@@ -4441,7 +4441,7 @@
           <a:p>
             <a:fld id="{F72F48C3-E2FF-4377-9BD8-D4F35D1A0370}" type="datetimeFigureOut">
               <a:rPr lang="en-GB" smtClean="0"/>
-              <a:t>19/04/2018</a:t>
+              <a:t>20/04/2018</a:t>
             </a:fld>
             <a:endParaRPr lang="en-GB"/>
           </a:p>
@@ -6311,7 +6311,7 @@
           <a:p>
             <a:fld id="{F72F48C3-E2FF-4377-9BD8-D4F35D1A0370}" type="datetimeFigureOut">
               <a:rPr lang="en-GB" smtClean="0"/>
-              <a:t>19/04/2018</a:t>
+              <a:t>20/04/2018</a:t>
             </a:fld>
             <a:endParaRPr lang="en-GB"/>
           </a:p>
@@ -6424,7 +6424,7 @@
           <a:p>
             <a:fld id="{F72F48C3-E2FF-4377-9BD8-D4F35D1A0370}" type="datetimeFigureOut">
               <a:rPr lang="en-GB" smtClean="0"/>
-              <a:t>19/04/2018</a:t>
+              <a:t>20/04/2018</a:t>
             </a:fld>
             <a:endParaRPr lang="en-GB"/>
           </a:p>
@@ -6965,7 +6965,7 @@
           <a:p>
             <a:fld id="{F72F48C3-E2FF-4377-9BD8-D4F35D1A0370}" type="datetimeFigureOut">
               <a:rPr lang="en-GB" smtClean="0"/>
-              <a:t>19/04/2018</a:t>
+              <a:t>20/04/2018</a:t>
             </a:fld>
             <a:endParaRPr lang="en-GB"/>
           </a:p>
@@ -7078,7 +7078,7 @@
           <a:p>
             <a:fld id="{F72F48C3-E2FF-4377-9BD8-D4F35D1A0370}" type="datetimeFigureOut">
               <a:rPr lang="en-GB" smtClean="0"/>
-              <a:t>19/04/2018</a:t>
+              <a:t>20/04/2018</a:t>
             </a:fld>
             <a:endParaRPr lang="en-GB"/>
           </a:p>
@@ -8789,7 +8789,7 @@
           <a:p>
             <a:fld id="{F72F48C3-E2FF-4377-9BD8-D4F35D1A0370}" type="datetimeFigureOut">
               <a:rPr lang="en-GB" smtClean="0"/>
-              <a:t>19/04/2018</a:t>
+              <a:t>20/04/2018</a:t>
             </a:fld>
             <a:endParaRPr lang="en-GB"/>
           </a:p>
@@ -8940,7 +8940,7 @@
           <a:p>
             <a:fld id="{F72F48C3-E2FF-4377-9BD8-D4F35D1A0370}" type="datetimeFigureOut">
               <a:rPr lang="en-GB" smtClean="0"/>
-              <a:t>19/04/2018</a:t>
+              <a:t>20/04/2018</a:t>
             </a:fld>
             <a:endParaRPr lang="en-GB"/>
           </a:p>
@@ -12555,7 +12555,7 @@
           <a:p>
             <a:fld id="{F72F48C3-E2FF-4377-9BD8-D4F35D1A0370}" type="datetimeFigureOut">
               <a:rPr lang="en-GB" smtClean="0"/>
-              <a:t>19/04/2018</a:t>
+              <a:t>20/04/2018</a:t>
             </a:fld>
             <a:endParaRPr lang="en-GB"/>
           </a:p>
@@ -14414,7 +14414,7 @@
           <a:p>
             <a:fld id="{F72F48C3-E2FF-4377-9BD8-D4F35D1A0370}" type="datetimeFigureOut">
               <a:rPr lang="en-GB" smtClean="0"/>
-              <a:t>19/04/2018</a:t>
+              <a:t>20/04/2018</a:t>
             </a:fld>
             <a:endParaRPr lang="en-GB"/>
           </a:p>
@@ -14947,7 +14947,11 @@
           <a:p>
             <a:r>
               <a:rPr lang="en-GB" dirty="0" smtClean="0"/>
-              <a:t>Group3  – Coven-dong</a:t>
+              <a:t>Group3  – </a:t>
+            </a:r>
+            <a:r>
+              <a:rPr lang="en-GB" dirty="0" smtClean="0"/>
+              <a:t>Covent-dong</a:t>
             </a:r>
             <a:endParaRPr lang="en-GB" dirty="0"/>
           </a:p>
@@ -14970,15 +14974,11 @@
           <a:p>
             <a:r>
               <a:rPr lang="en-GB" dirty="0" smtClean="0"/>
-              <a:t>By: Jack Beale, Charlie Parker &amp; </a:t>
-            </a:r>
-            <a:r>
-              <a:rPr lang="en-GB" dirty="0" err="1" smtClean="0"/>
-              <a:t>Beowolf</a:t>
+              <a:t>By: Jack Beale, Charlie </a:t>
             </a:r>
             <a:r>
               <a:rPr lang="en-GB" dirty="0" smtClean="0"/>
-              <a:t> Horn</a:t>
+              <a:t>Parker, Beowulf Horn, Tom, Jerry </a:t>
             </a:r>
             <a:endParaRPr lang="en-GB" dirty="0"/>
           </a:p>
@@ -14994,6 +14994,13 @@
   <p:clrMapOvr>
     <a:masterClrMapping/>
   </p:clrMapOvr>
+  <p:timing>
+    <p:tnLst>
+      <p:par>
+        <p:cTn id="1" dur="indefinite" restart="never" nodeType="tmRoot"/>
+      </p:par>
+    </p:tnLst>
+  </p:timing>
 </p:sld>
 </file>
 
@@ -15016,34 +15023,6 @@
       </p:grpSpPr>
       <p:sp>
         <p:nvSpPr>
-          <p:cNvPr id="3" name="Content Placeholder 2"/>
-          <p:cNvSpPr>
-            <a:spLocks noGrp="1"/>
-          </p:cNvSpPr>
-          <p:nvPr>
-            <p:ph idx="1"/>
-          </p:nvPr>
-        </p:nvSpPr>
-        <p:spPr>
-          <a:xfrm>
-            <a:off x="872067" y="2714608"/>
-            <a:ext cx="7408333" cy="3450696"/>
-          </a:xfrm>
-        </p:spPr>
-        <p:txBody>
-          <a:bodyPr/>
-          <a:lstStyle/>
-          <a:p>
-            <a:r>
-              <a:rPr lang="en-GB" dirty="0" smtClean="0"/>
-              <a:t>Now we will demonstrate our finished product</a:t>
-            </a:r>
-            <a:endParaRPr lang="en-GB" dirty="0"/>
-          </a:p>
-        </p:txBody>
-      </p:sp>
-      <p:sp>
-        <p:nvSpPr>
           <p:cNvPr id="2" name="Title 1"/>
           <p:cNvSpPr>
             <a:spLocks noGrp="1"/>
@@ -15059,12 +15038,94 @@
           <a:p>
             <a:r>
               <a:rPr lang="en-GB" dirty="0" smtClean="0"/>
-              <a:t>How it works</a:t>
+              <a:t>Data</a:t>
             </a:r>
             <a:endParaRPr lang="en-GB" dirty="0"/>
           </a:p>
         </p:txBody>
       </p:sp>
+      <p:pic>
+        <p:nvPicPr>
+          <p:cNvPr id="1026" name="Picture 2" descr="https://tse1.mm.bing.net/th?id=OIP.uSYHJBVfQ-VWKlIw4tHnBQAAAA&amp;pid=15.1&amp;P=0&amp;w=240&amp;h=84"/>
+          <p:cNvPicPr>
+            <a:picLocks noChangeAspect="1" noChangeArrowheads="1"/>
+          </p:cNvPicPr>
+          <p:nvPr/>
+        </p:nvPicPr>
+        <p:blipFill>
+          <a:blip r:embed="rId2">
+            <a:extLst>
+              <a:ext uri="{28A0092B-C50C-407E-A947-70E740481C1C}">
+                <a14:useLocalDpi xmlns:a14="http://schemas.microsoft.com/office/drawing/2010/main" val="0"/>
+              </a:ext>
+            </a:extLst>
+          </a:blip>
+          <a:srcRect/>
+          <a:stretch>
+            <a:fillRect/>
+          </a:stretch>
+        </p:blipFill>
+        <p:spPr bwMode="auto">
+          <a:xfrm>
+            <a:off x="539552" y="2132856"/>
+            <a:ext cx="5349166" cy="1872208"/>
+          </a:xfrm>
+          <a:prstGeom prst="rect">
+            <a:avLst/>
+          </a:prstGeom>
+          <a:noFill/>
+          <a:extLst>
+            <a:ext uri="{909E8E84-426E-40DD-AFC4-6F175D3DCCD1}">
+              <a14:hiddenFill xmlns:a14="http://schemas.microsoft.com/office/drawing/2010/main">
+                <a:solidFill>
+                  <a:srgbClr val="FFFFFF"/>
+                </a:solidFill>
+              </a14:hiddenFill>
+            </a:ext>
+          </a:extLst>
+        </p:spPr>
+      </p:pic>
+      <p:pic>
+        <p:nvPicPr>
+          <p:cNvPr id="1028" name="Picture 4" descr="https://www.kaggle.com/content/v/4e5085eca1ab/kaggle/img/logos/kaggle-logo-transparent-300.png"/>
+          <p:cNvPicPr>
+            <a:picLocks noChangeAspect="1" noChangeArrowheads="1"/>
+          </p:cNvPicPr>
+          <p:nvPr/>
+        </p:nvPicPr>
+        <p:blipFill>
+          <a:blip r:embed="rId3">
+            <a:extLst>
+              <a:ext uri="{28A0092B-C50C-407E-A947-70E740481C1C}">
+                <a14:useLocalDpi xmlns:a14="http://schemas.microsoft.com/office/drawing/2010/main" val="0"/>
+              </a:ext>
+            </a:extLst>
+          </a:blip>
+          <a:srcRect/>
+          <a:stretch>
+            <a:fillRect/>
+          </a:stretch>
+        </p:blipFill>
+        <p:spPr bwMode="auto">
+          <a:xfrm>
+            <a:off x="2205456" y="3747948"/>
+            <a:ext cx="6999840" cy="3181745"/>
+          </a:xfrm>
+          <a:prstGeom prst="rect">
+            <a:avLst/>
+          </a:prstGeom>
+          <a:noFill/>
+          <a:extLst>
+            <a:ext uri="{909E8E84-426E-40DD-AFC4-6F175D3DCCD1}">
+              <a14:hiddenFill xmlns:a14="http://schemas.microsoft.com/office/drawing/2010/main">
+                <a:solidFill>
+                  <a:srgbClr val="FFFFFF"/>
+                </a:solidFill>
+              </a14:hiddenFill>
+            </a:ext>
+          </a:extLst>
+        </p:spPr>
+      </p:pic>
     </p:spTree>
     <p:extLst>
       <p:ext uri="{BB962C8B-B14F-4D97-AF65-F5344CB8AC3E}">
@@ -15075,6 +15136,13 @@
   <p:clrMapOvr>
     <a:masterClrMapping/>
   </p:clrMapOvr>
+  <p:timing>
+    <p:tnLst>
+      <p:par>
+        <p:cTn id="1" dur="indefinite" restart="never" nodeType="tmRoot"/>
+      </p:par>
+    </p:tnLst>
+  </p:timing>
 </p:sld>
 </file>
 
@@ -15185,6 +15253,13 @@
   <p:clrMapOvr>
     <a:masterClrMapping/>
   </p:clrMapOvr>
+  <p:timing>
+    <p:tnLst>
+      <p:par>
+        <p:cTn id="1" dur="indefinite" restart="never" nodeType="tmRoot"/>
+      </p:par>
+    </p:tnLst>
+  </p:timing>
 </p:sld>
 </file>
 
@@ -15279,6 +15354,13 @@
   <p:clrMapOvr>
     <a:masterClrMapping/>
   </p:clrMapOvr>
+  <p:timing>
+    <p:tnLst>
+      <p:par>
+        <p:cTn id="1" dur="indefinite" restart="never" nodeType="tmRoot"/>
+      </p:par>
+    </p:tnLst>
+  </p:timing>
 </p:sld>
 </file>
 
@@ -15373,6 +15455,13 @@
   <p:clrMapOvr>
     <a:masterClrMapping/>
   </p:clrMapOvr>
+  <p:timing>
+    <p:tnLst>
+      <p:par>
+        <p:cTn id="1" dur="indefinite" restart="never" nodeType="tmRoot"/>
+      </p:par>
+    </p:tnLst>
+  </p:timing>
 </p:sld>
 </file>
 
@@ -15530,6 +15619,13 @@
   <p:clrMapOvr>
     <a:masterClrMapping/>
   </p:clrMapOvr>
+  <p:timing>
+    <p:tnLst>
+      <p:par>
+        <p:cTn id="1" dur="indefinite" restart="never" nodeType="tmRoot"/>
+      </p:par>
+    </p:tnLst>
+  </p:timing>
 </p:sld>
 </file>
 
@@ -15624,6 +15720,13 @@
   <p:clrMapOvr>
     <a:masterClrMapping/>
   </p:clrMapOvr>
+  <p:timing>
+    <p:tnLst>
+      <p:par>
+        <p:cTn id="1" dur="indefinite" restart="never" nodeType="tmRoot"/>
+      </p:par>
+    </p:tnLst>
+  </p:timing>
 </p:sld>
 </file>
 
@@ -15721,6 +15824,7 @@
               <a:rPr lang="en-GB" sz="3200" dirty="0" smtClean="0"/>
               <a:t>The Man In the Middle</a:t>
             </a:r>
+            <a:endParaRPr lang="en-GB" sz="3200" dirty="0" smtClean="0"/>
           </a:p>
           <a:p>
             <a:pPr marL="342900" indent="-342900">
@@ -15743,7 +15847,7 @@
             </a:pPr>
             <a:r>
               <a:rPr lang="en-GB" sz="3200" dirty="0" smtClean="0"/>
-              <a:t>The back End</a:t>
+              <a:t>ML Backend</a:t>
             </a:r>
             <a:endParaRPr lang="en-GB" sz="3200" dirty="0"/>
           </a:p>
@@ -15876,6 +15980,13 @@
   <p:clrMapOvr>
     <a:masterClrMapping/>
   </p:clrMapOvr>
+  <p:timing>
+    <p:tnLst>
+      <p:par>
+        <p:cTn id="1" dur="indefinite" restart="never" nodeType="tmRoot"/>
+      </p:par>
+    </p:tnLst>
+  </p:timing>
 </p:sld>
 </file>
 
@@ -15998,6 +16109,13 @@
   <p:clrMapOvr>
     <a:masterClrMapping/>
   </p:clrMapOvr>
+  <p:timing>
+    <p:tnLst>
+      <p:par>
+        <p:cTn id="1" dur="indefinite" restart="never" nodeType="tmRoot"/>
+      </p:par>
+    </p:tnLst>
+  </p:timing>
 </p:sld>
 </file>
 
@@ -16118,6 +16236,13 @@
   <p:clrMapOvr>
     <a:masterClrMapping/>
   </p:clrMapOvr>
+  <p:timing>
+    <p:tnLst>
+      <p:par>
+        <p:cTn id="1" dur="indefinite" restart="never" nodeType="tmRoot"/>
+      </p:par>
+    </p:tnLst>
+  </p:timing>
 </p:sld>
 </file>
 
@@ -16186,12 +16311,12 @@
               <a:t>What </a:t>
             </a:r>
             <a:r>
-              <a:rPr lang="en-GB" dirty="0" err="1" smtClean="0"/>
-              <a:t>Beowolf</a:t>
+              <a:rPr lang="en-GB" dirty="0" smtClean="0"/>
+              <a:t>Beowulf </a:t>
             </a:r>
             <a:r>
               <a:rPr lang="en-GB" dirty="0" smtClean="0"/>
-              <a:t> has done</a:t>
+              <a:t>has done</a:t>
             </a:r>
             <a:endParaRPr lang="en-GB" dirty="0"/>
           </a:p>
@@ -16248,6 +16373,13 @@
   <p:clrMapOvr>
     <a:masterClrMapping/>
   </p:clrMapOvr>
+  <p:timing>
+    <p:tnLst>
+      <p:par>
+        <p:cTn id="1" dur="indefinite" restart="never" nodeType="tmRoot"/>
+      </p:par>
+    </p:tnLst>
+  </p:timing>
 </p:sld>
 </file>
 
@@ -16340,6 +16472,13 @@
   <p:clrMapOvr>
     <a:masterClrMapping/>
   </p:clrMapOvr>
+  <p:timing>
+    <p:tnLst>
+      <p:par>
+        <p:cTn id="1" dur="indefinite" restart="never" nodeType="tmRoot"/>
+      </p:par>
+    </p:tnLst>
+  </p:timing>
 </p:sld>
 </file>
 
